--- a/.resources/appIco.pptx
+++ b/.resources/appIco.pptx
@@ -259,7 +259,7 @@
           <a:p>
             <a:fld id="{30402B24-F7A5-404E-8FCD-AE48E0791D57}" type="datetimeFigureOut">
               <a:rPr lang="zh-CN" altLang="en-US" smtClean="0"/>
-              <a:t>2023/11/10</a:t>
+              <a:t>2024/2/28</a:t>
             </a:fld>
             <a:endParaRPr lang="zh-CN" altLang="en-US"/>
           </a:p>
@@ -457,7 +457,7 @@
           <a:p>
             <a:fld id="{30402B24-F7A5-404E-8FCD-AE48E0791D57}" type="datetimeFigureOut">
               <a:rPr lang="zh-CN" altLang="en-US" smtClean="0"/>
-              <a:t>2023/11/10</a:t>
+              <a:t>2024/2/28</a:t>
             </a:fld>
             <a:endParaRPr lang="zh-CN" altLang="en-US"/>
           </a:p>
@@ -665,7 +665,7 @@
           <a:p>
             <a:fld id="{30402B24-F7A5-404E-8FCD-AE48E0791D57}" type="datetimeFigureOut">
               <a:rPr lang="zh-CN" altLang="en-US" smtClean="0"/>
-              <a:t>2023/11/10</a:t>
+              <a:t>2024/2/28</a:t>
             </a:fld>
             <a:endParaRPr lang="zh-CN" altLang="en-US"/>
           </a:p>
@@ -863,7 +863,7 @@
           <a:p>
             <a:fld id="{30402B24-F7A5-404E-8FCD-AE48E0791D57}" type="datetimeFigureOut">
               <a:rPr lang="zh-CN" altLang="en-US" smtClean="0"/>
-              <a:t>2023/11/10</a:t>
+              <a:t>2024/2/28</a:t>
             </a:fld>
             <a:endParaRPr lang="zh-CN" altLang="en-US"/>
           </a:p>
@@ -1138,7 +1138,7 @@
           <a:p>
             <a:fld id="{30402B24-F7A5-404E-8FCD-AE48E0791D57}" type="datetimeFigureOut">
               <a:rPr lang="zh-CN" altLang="en-US" smtClean="0"/>
-              <a:t>2023/11/10</a:t>
+              <a:t>2024/2/28</a:t>
             </a:fld>
             <a:endParaRPr lang="zh-CN" altLang="en-US"/>
           </a:p>
@@ -1403,7 +1403,7 @@
           <a:p>
             <a:fld id="{30402B24-F7A5-404E-8FCD-AE48E0791D57}" type="datetimeFigureOut">
               <a:rPr lang="zh-CN" altLang="en-US" smtClean="0"/>
-              <a:t>2023/11/10</a:t>
+              <a:t>2024/2/28</a:t>
             </a:fld>
             <a:endParaRPr lang="zh-CN" altLang="en-US"/>
           </a:p>
@@ -1815,7 +1815,7 @@
           <a:p>
             <a:fld id="{30402B24-F7A5-404E-8FCD-AE48E0791D57}" type="datetimeFigureOut">
               <a:rPr lang="zh-CN" altLang="en-US" smtClean="0"/>
-              <a:t>2023/11/10</a:t>
+              <a:t>2024/2/28</a:t>
             </a:fld>
             <a:endParaRPr lang="zh-CN" altLang="en-US"/>
           </a:p>
@@ -1956,7 +1956,7 @@
           <a:p>
             <a:fld id="{30402B24-F7A5-404E-8FCD-AE48E0791D57}" type="datetimeFigureOut">
               <a:rPr lang="zh-CN" altLang="en-US" smtClean="0"/>
-              <a:t>2023/11/10</a:t>
+              <a:t>2024/2/28</a:t>
             </a:fld>
             <a:endParaRPr lang="zh-CN" altLang="en-US"/>
           </a:p>
@@ -2069,7 +2069,7 @@
           <a:p>
             <a:fld id="{30402B24-F7A5-404E-8FCD-AE48E0791D57}" type="datetimeFigureOut">
               <a:rPr lang="zh-CN" altLang="en-US" smtClean="0"/>
-              <a:t>2023/11/10</a:t>
+              <a:t>2024/2/28</a:t>
             </a:fld>
             <a:endParaRPr lang="zh-CN" altLang="en-US"/>
           </a:p>
@@ -2380,7 +2380,7 @@
           <a:p>
             <a:fld id="{30402B24-F7A5-404E-8FCD-AE48E0791D57}" type="datetimeFigureOut">
               <a:rPr lang="zh-CN" altLang="en-US" smtClean="0"/>
-              <a:t>2023/11/10</a:t>
+              <a:t>2024/2/28</a:t>
             </a:fld>
             <a:endParaRPr lang="zh-CN" altLang="en-US"/>
           </a:p>
@@ -2668,7 +2668,7 @@
           <a:p>
             <a:fld id="{30402B24-F7A5-404E-8FCD-AE48E0791D57}" type="datetimeFigureOut">
               <a:rPr lang="zh-CN" altLang="en-US" smtClean="0"/>
-              <a:t>2023/11/10</a:t>
+              <a:t>2024/2/28</a:t>
             </a:fld>
             <a:endParaRPr lang="zh-CN" altLang="en-US"/>
           </a:p>
@@ -2909,7 +2909,7 @@
           <a:p>
             <a:fld id="{30402B24-F7A5-404E-8FCD-AE48E0791D57}" type="datetimeFigureOut">
               <a:rPr lang="zh-CN" altLang="en-US" smtClean="0"/>
-              <a:t>2023/11/10</a:t>
+              <a:t>2024/2/28</a:t>
             </a:fld>
             <a:endParaRPr lang="zh-CN" altLang="en-US"/>
           </a:p>
@@ -3340,7 +3340,7 @@
         </p:nvSpPr>
         <p:spPr>
           <a:xfrm>
-            <a:off x="3849117" y="1171492"/>
+            <a:off x="4467183" y="1933493"/>
             <a:ext cx="3021178" cy="3021178"/>
           </a:xfrm>
           <a:prstGeom prst="ellipse">
@@ -3423,7 +3423,7 @@
         </p:nvSpPr>
         <p:spPr>
           <a:xfrm rot="3600000">
-            <a:off x="3292566" y="1863640"/>
+            <a:off x="3910632" y="2625641"/>
             <a:ext cx="3117882" cy="1962043"/>
           </a:xfrm>
           <a:custGeom>
@@ -3660,7 +3660,7 @@
         </p:nvSpPr>
         <p:spPr>
           <a:xfrm rot="-3600000">
-            <a:off x="4200616" y="2063665"/>
+            <a:off x="4818682" y="2825666"/>
             <a:ext cx="3117882" cy="1962043"/>
           </a:xfrm>
           <a:custGeom>
@@ -3892,10 +3892,10 @@
       </p:sp>
       <p:sp>
         <p:nvSpPr>
-          <p:cNvPr id="55" name="任意多边形: 形状 54">
-            <a:extLst>
-              <a:ext uri="{FF2B5EF4-FFF2-40B4-BE49-F238E27FC236}">
-                <a16:creationId xmlns:a16="http://schemas.microsoft.com/office/drawing/2014/main" id="{94BFE714-7F77-9BBF-8D7D-6FD8D03A5552}"/>
+          <p:cNvPr id="4" name="任意多边形: 形状 3">
+            <a:extLst>
+              <a:ext uri="{FF2B5EF4-FFF2-40B4-BE49-F238E27FC236}">
+                <a16:creationId xmlns:a16="http://schemas.microsoft.com/office/drawing/2014/main" id="{37CC8A60-110B-49A6-7D83-8E72AE3C9D3F}"/>
               </a:ext>
             </a:extLst>
           </p:cNvPr>
@@ -3904,78 +3904,46 @@
         </p:nvSpPr>
         <p:spPr>
           <a:xfrm rot="10800000">
-            <a:off x="3950942" y="1168317"/>
-            <a:ext cx="3100170" cy="1962042"/>
+            <a:off x="5361513" y="1928201"/>
+            <a:ext cx="2305548" cy="1962042"/>
           </a:xfrm>
           <a:custGeom>
             <a:avLst/>
             <a:gdLst>
-              <a:gd name="connsiteX0" fmla="*/ 3094672 w 3100170"/>
-              <a:gd name="connsiteY0" fmla="*/ 962598 h 1962042"/>
-              <a:gd name="connsiteX1" fmla="*/ 3100170 w 3100170"/>
-              <a:gd name="connsiteY1" fmla="*/ 948319 h 1962042"/>
-              <a:gd name="connsiteX2" fmla="*/ 3099244 w 3100170"/>
-              <a:gd name="connsiteY2" fmla="*/ 951439 h 1962042"/>
-              <a:gd name="connsiteX3" fmla="*/ 3037266 w 3100170"/>
-              <a:gd name="connsiteY3" fmla="*/ 1100184 h 1962042"/>
-              <a:gd name="connsiteX4" fmla="*/ 3042851 w 3100170"/>
-              <a:gd name="connsiteY4" fmla="*/ 1089069 h 1962042"/>
-              <a:gd name="connsiteX5" fmla="*/ 3041718 w 3100170"/>
-              <a:gd name="connsiteY5" fmla="*/ 1091834 h 1962042"/>
-              <a:gd name="connsiteX6" fmla="*/ 2963530 w 3100170"/>
-              <a:gd name="connsiteY6" fmla="*/ 1236064 h 1962042"/>
-              <a:gd name="connsiteX7" fmla="*/ 2971833 w 3100170"/>
-              <a:gd name="connsiteY7" fmla="*/ 1222897 h 1962042"/>
-              <a:gd name="connsiteX8" fmla="*/ 2968956 w 3100170"/>
-              <a:gd name="connsiteY8" fmla="*/ 1228293 h 1962042"/>
-              <a:gd name="connsiteX9" fmla="*/ 2841649 w 3100170"/>
-              <a:gd name="connsiteY9" fmla="*/ 1408452 h 1962042"/>
-              <a:gd name="connsiteX10" fmla="*/ 2856969 w 3100170"/>
-              <a:gd name="connsiteY10" fmla="*/ 1388664 h 1962042"/>
-              <a:gd name="connsiteX11" fmla="*/ 2847715 w 3100170"/>
-              <a:gd name="connsiteY11" fmla="*/ 1401917 h 1962042"/>
-              <a:gd name="connsiteX12" fmla="*/ 2702164 w 3100170"/>
-              <a:gd name="connsiteY12" fmla="*/ 1557470 h 1962042"/>
-              <a:gd name="connsiteX13" fmla="*/ 2701908 w 3100170"/>
-              <a:gd name="connsiteY13" fmla="*/ 1557026 h 1962042"/>
-              <a:gd name="connsiteX14" fmla="*/ 2711940 w 3100170"/>
-              <a:gd name="connsiteY14" fmla="*/ 1548211 h 1962042"/>
-              <a:gd name="connsiteX15" fmla="*/ 2707083 w 3100170"/>
-              <a:gd name="connsiteY15" fmla="*/ 1553444 h 1962042"/>
-              <a:gd name="connsiteX16" fmla="*/ 1607745 w 3100170"/>
+              <a:gd name="connsiteX0" fmla="*/ 1607745 w 2305548"/>
+              <a:gd name="connsiteY0" fmla="*/ 1960669 h 1962042"/>
+              <a:gd name="connsiteX1" fmla="*/ 896495 w 2305548"/>
+              <a:gd name="connsiteY1" fmla="*/ 1746620 h 1962042"/>
+              <a:gd name="connsiteX2" fmla="*/ 208111 w 2305548"/>
+              <a:gd name="connsiteY2" fmla="*/ 817739 h 1962042"/>
+              <a:gd name="connsiteX3" fmla="*/ 202220 w 2305548"/>
+              <a:gd name="connsiteY3" fmla="*/ 788276 h 1962042"/>
+              <a:gd name="connsiteX4" fmla="*/ 9964 w 2305548"/>
+              <a:gd name="connsiteY4" fmla="*/ 788276 h 1962042"/>
+              <a:gd name="connsiteX5" fmla="*/ 467164 w 2305548"/>
+              <a:gd name="connsiteY5" fmla="*/ 0 h 1962042"/>
+              <a:gd name="connsiteX6" fmla="*/ 924364 w 2305548"/>
+              <a:gd name="connsiteY6" fmla="*/ 788276 h 1962042"/>
+              <a:gd name="connsiteX7" fmla="*/ 749411 w 2305548"/>
+              <a:gd name="connsiteY7" fmla="*/ 788276 h 1962042"/>
+              <a:gd name="connsiteX8" fmla="*/ 778107 w 2305548"/>
+              <a:gd name="connsiteY8" fmla="*/ 883468 h 1962042"/>
+              <a:gd name="connsiteX9" fmla="*/ 1309909 w 2305548"/>
+              <a:gd name="connsiteY9" fmla="*/ 1533340 h 1962042"/>
+              <a:gd name="connsiteX10" fmla="*/ 1774877 w 2305548"/>
+              <a:gd name="connsiteY10" fmla="*/ 1698397 h 1962042"/>
+              <a:gd name="connsiteX11" fmla="*/ 1883309 w 2305548"/>
+              <a:gd name="connsiteY11" fmla="*/ 1708336 h 1962042"/>
+              <a:gd name="connsiteX12" fmla="*/ 1886769 w 2305548"/>
+              <a:gd name="connsiteY12" fmla="*/ 1721716 h 1962042"/>
+              <a:gd name="connsiteX13" fmla="*/ 2188632 w 2305548"/>
+              <a:gd name="connsiteY13" fmla="*/ 1815009 h 1962042"/>
+              <a:gd name="connsiteX14" fmla="*/ 2305548 w 2305548"/>
+              <a:gd name="connsiteY14" fmla="*/ 1819933 h 1962042"/>
+              <a:gd name="connsiteX15" fmla="*/ 2195925 w 2305548"/>
+              <a:gd name="connsiteY15" fmla="*/ 1868679 h 1962042"/>
+              <a:gd name="connsiteX16" fmla="*/ 1607745 w 2305548"/>
               <a:gd name="connsiteY16" fmla="*/ 1960669 h 1962042"/>
-              <a:gd name="connsiteX17" fmla="*/ 896495 w 3100170"/>
-              <a:gd name="connsiteY17" fmla="*/ 1746620 h 1962042"/>
-              <a:gd name="connsiteX18" fmla="*/ 208111 w 3100170"/>
-              <a:gd name="connsiteY18" fmla="*/ 817739 h 1962042"/>
-              <a:gd name="connsiteX19" fmla="*/ 202220 w 3100170"/>
-              <a:gd name="connsiteY19" fmla="*/ 788276 h 1962042"/>
-              <a:gd name="connsiteX20" fmla="*/ 9964 w 3100170"/>
-              <a:gd name="connsiteY20" fmla="*/ 788276 h 1962042"/>
-              <a:gd name="connsiteX21" fmla="*/ 467164 w 3100170"/>
-              <a:gd name="connsiteY21" fmla="*/ 0 h 1962042"/>
-              <a:gd name="connsiteX22" fmla="*/ 924364 w 3100170"/>
-              <a:gd name="connsiteY22" fmla="*/ 788276 h 1962042"/>
-              <a:gd name="connsiteX23" fmla="*/ 749411 w 3100170"/>
-              <a:gd name="connsiteY23" fmla="*/ 788276 h 1962042"/>
-              <a:gd name="connsiteX24" fmla="*/ 778107 w 3100170"/>
-              <a:gd name="connsiteY24" fmla="*/ 883468 h 1962042"/>
-              <a:gd name="connsiteX25" fmla="*/ 1309909 w 3100170"/>
-              <a:gd name="connsiteY25" fmla="*/ 1533340 h 1962042"/>
-              <a:gd name="connsiteX26" fmla="*/ 1774877 w 3100170"/>
-              <a:gd name="connsiteY26" fmla="*/ 1698397 h 1962042"/>
-              <a:gd name="connsiteX27" fmla="*/ 1883309 w 3100170"/>
-              <a:gd name="connsiteY27" fmla="*/ 1708336 h 1962042"/>
-              <a:gd name="connsiteX28" fmla="*/ 1886769 w 3100170"/>
-              <a:gd name="connsiteY28" fmla="*/ 1721716 h 1962042"/>
-              <a:gd name="connsiteX29" fmla="*/ 2188632 w 3100170"/>
-              <a:gd name="connsiteY29" fmla="*/ 1815009 h 1962042"/>
-              <a:gd name="connsiteX30" fmla="*/ 2305548 w 3100170"/>
-              <a:gd name="connsiteY30" fmla="*/ 1819933 h 1962042"/>
-              <a:gd name="connsiteX31" fmla="*/ 2195925 w 3100170"/>
-              <a:gd name="connsiteY31" fmla="*/ 1868679 h 1962042"/>
-              <a:gd name="connsiteX32" fmla="*/ 1607745 w 3100170"/>
-              <a:gd name="connsiteY32" fmla="*/ 1960669 h 1962042"/>
             </a:gdLst>
             <a:ahLst/>
             <a:cxnLst>
@@ -4030,111 +3998,10 @@
               <a:cxn ang="0">
                 <a:pos x="connsiteX16" y="connsiteY16"/>
               </a:cxn>
-              <a:cxn ang="0">
-                <a:pos x="connsiteX17" y="connsiteY17"/>
-              </a:cxn>
-              <a:cxn ang="0">
-                <a:pos x="connsiteX18" y="connsiteY18"/>
-              </a:cxn>
-              <a:cxn ang="0">
-                <a:pos x="connsiteX19" y="connsiteY19"/>
-              </a:cxn>
-              <a:cxn ang="0">
-                <a:pos x="connsiteX20" y="connsiteY20"/>
-              </a:cxn>
-              <a:cxn ang="0">
-                <a:pos x="connsiteX21" y="connsiteY21"/>
-              </a:cxn>
-              <a:cxn ang="0">
-                <a:pos x="connsiteX22" y="connsiteY22"/>
-              </a:cxn>
-              <a:cxn ang="0">
-                <a:pos x="connsiteX23" y="connsiteY23"/>
-              </a:cxn>
-              <a:cxn ang="0">
-                <a:pos x="connsiteX24" y="connsiteY24"/>
-              </a:cxn>
-              <a:cxn ang="0">
-                <a:pos x="connsiteX25" y="connsiteY25"/>
-              </a:cxn>
-              <a:cxn ang="0">
-                <a:pos x="connsiteX26" y="connsiteY26"/>
-              </a:cxn>
-              <a:cxn ang="0">
-                <a:pos x="connsiteX27" y="connsiteY27"/>
-              </a:cxn>
-              <a:cxn ang="0">
-                <a:pos x="connsiteX28" y="connsiteY28"/>
-              </a:cxn>
-              <a:cxn ang="0">
-                <a:pos x="connsiteX29" y="connsiteY29"/>
-              </a:cxn>
-              <a:cxn ang="0">
-                <a:pos x="connsiteX30" y="connsiteY30"/>
-              </a:cxn>
-              <a:cxn ang="0">
-                <a:pos x="connsiteX31" y="connsiteY31"/>
-              </a:cxn>
-              <a:cxn ang="0">
-                <a:pos x="connsiteX32" y="connsiteY32"/>
-              </a:cxn>
             </a:cxnLst>
             <a:rect l="l" t="t" r="r" b="b"/>
             <a:pathLst>
-              <a:path w="3100170" h="1962042">
-                <a:moveTo>
-                  <a:pt x="3094672" y="962598"/>
-                </a:moveTo>
-                <a:lnTo>
-                  <a:pt x="3100170" y="948319"/>
-                </a:lnTo>
-                <a:lnTo>
-                  <a:pt x="3099244" y="951439"/>
-                </a:lnTo>
-                <a:close/>
-                <a:moveTo>
-                  <a:pt x="3037266" y="1100184"/>
-                </a:moveTo>
-                <a:lnTo>
-                  <a:pt x="3042851" y="1089069"/>
-                </a:lnTo>
-                <a:lnTo>
-                  <a:pt x="3041718" y="1091834"/>
-                </a:lnTo>
-                <a:close/>
-                <a:moveTo>
-                  <a:pt x="2963530" y="1236064"/>
-                </a:moveTo>
-                <a:lnTo>
-                  <a:pt x="2971833" y="1222897"/>
-                </a:lnTo>
-                <a:lnTo>
-                  <a:pt x="2968956" y="1228293"/>
-                </a:lnTo>
-                <a:close/>
-                <a:moveTo>
-                  <a:pt x="2841649" y="1408452"/>
-                </a:moveTo>
-                <a:lnTo>
-                  <a:pt x="2856969" y="1388664"/>
-                </a:lnTo>
-                <a:lnTo>
-                  <a:pt x="2847715" y="1401917"/>
-                </a:lnTo>
-                <a:close/>
-                <a:moveTo>
-                  <a:pt x="2702164" y="1557470"/>
-                </a:moveTo>
-                <a:lnTo>
-                  <a:pt x="2701908" y="1557026"/>
-                </a:lnTo>
-                <a:lnTo>
-                  <a:pt x="2711940" y="1548211"/>
-                </a:lnTo>
-                <a:lnTo>
-                  <a:pt x="2707083" y="1553444"/>
-                </a:lnTo>
-                <a:close/>
+              <a:path w="2305548" h="1962042">
                 <a:moveTo>
                   <a:pt x="1607745" y="1960669"/>
                 </a:moveTo>
@@ -4287,8 +4154,8 @@
         </p:nvSpPr>
         <p:spPr>
           <a:xfrm>
-            <a:off x="4507280" y="2266582"/>
-            <a:ext cx="1954104" cy="769441"/>
+            <a:off x="5112647" y="3159806"/>
+            <a:ext cx="1677619" cy="784830"/>
           </a:xfrm>
           <a:prstGeom prst="rect">
             <a:avLst/>
@@ -4310,7 +4177,7 @@
           <a:lstStyle/>
           <a:p>
             <a:r>
-              <a:rPr lang="en-US" altLang="zh-CN" sz="4400" b="1" i="1" dirty="0">
+              <a:rPr lang="en-US" altLang="zh-CN" sz="4500" b="1" i="1" dirty="0">
                 <a:solidFill>
                   <a:schemeClr val="bg1"/>
                 </a:solidFill>
@@ -4318,7 +4185,7 @@
               </a:rPr>
               <a:t>XNB</a:t>
             </a:r>
-            <a:endParaRPr lang="zh-CN" altLang="en-US" sz="4400" b="1" i="1" dirty="0">
+            <a:endParaRPr lang="zh-CN" altLang="en-US" sz="4500" b="1" i="1" dirty="0">
               <a:solidFill>
                 <a:schemeClr val="bg1"/>
               </a:solidFill>
